--- a/18-Resource Quotas and Limits/Resource Quotas.pptx
+++ b/18-Resource Quotas and Limits/Resource Quotas.pptx
@@ -6,14 +6,15 @@
   </p:sldMasterIdLst>
   <p:sldIdLst>
     <p:sldId id="256" r:id="rId2"/>
-    <p:sldId id="257" r:id="rId3"/>
-    <p:sldId id="258" r:id="rId4"/>
+    <p:sldId id="260" r:id="rId3"/>
+    <p:sldId id="261" r:id="rId4"/>
     <p:sldId id="259" r:id="rId5"/>
-    <p:sldId id="260" r:id="rId6"/>
-    <p:sldId id="261" r:id="rId7"/>
-    <p:sldId id="262" r:id="rId8"/>
-    <p:sldId id="263" r:id="rId9"/>
-    <p:sldId id="274" r:id="rId10"/>
+    <p:sldId id="258" r:id="rId6"/>
+    <p:sldId id="275" r:id="rId7"/>
+    <p:sldId id="257" r:id="rId8"/>
+    <p:sldId id="262" r:id="rId9"/>
+    <p:sldId id="263" r:id="rId10"/>
+    <p:sldId id="274" r:id="rId11"/>
   </p:sldIdLst>
   <p:sldSz cx="12192000" cy="6858000"/>
   <p:notesSz cx="6858000" cy="9144000"/>
@@ -251,7 +252,7 @@
           <a:p>
             <a:fld id="{9F2C596D-F840-4123-BB13-5EA365B3DE4E}" type="datetimeFigureOut">
               <a:rPr lang="en-SG" smtClean="0"/>
-              <a:t>22/10/2018</a:t>
+              <a:t>25/10/2018</a:t>
             </a:fld>
             <a:endParaRPr lang="en-SG"/>
           </a:p>
@@ -421,7 +422,7 @@
           <a:p>
             <a:fld id="{9F2C596D-F840-4123-BB13-5EA365B3DE4E}" type="datetimeFigureOut">
               <a:rPr lang="en-SG" smtClean="0"/>
-              <a:t>22/10/2018</a:t>
+              <a:t>25/10/2018</a:t>
             </a:fld>
             <a:endParaRPr lang="en-SG"/>
           </a:p>
@@ -601,7 +602,7 @@
           <a:p>
             <a:fld id="{9F2C596D-F840-4123-BB13-5EA365B3DE4E}" type="datetimeFigureOut">
               <a:rPr lang="en-SG" smtClean="0"/>
-              <a:t>22/10/2018</a:t>
+              <a:t>25/10/2018</a:t>
             </a:fld>
             <a:endParaRPr lang="en-SG"/>
           </a:p>
@@ -771,7 +772,7 @@
           <a:p>
             <a:fld id="{9F2C596D-F840-4123-BB13-5EA365B3DE4E}" type="datetimeFigureOut">
               <a:rPr lang="en-SG" smtClean="0"/>
-              <a:t>22/10/2018</a:t>
+              <a:t>25/10/2018</a:t>
             </a:fld>
             <a:endParaRPr lang="en-SG"/>
           </a:p>
@@ -1017,7 +1018,7 @@
           <a:p>
             <a:fld id="{9F2C596D-F840-4123-BB13-5EA365B3DE4E}" type="datetimeFigureOut">
               <a:rPr lang="en-SG" smtClean="0"/>
-              <a:t>22/10/2018</a:t>
+              <a:t>25/10/2018</a:t>
             </a:fld>
             <a:endParaRPr lang="en-SG"/>
           </a:p>
@@ -1249,7 +1250,7 @@
           <a:p>
             <a:fld id="{9F2C596D-F840-4123-BB13-5EA365B3DE4E}" type="datetimeFigureOut">
               <a:rPr lang="en-SG" smtClean="0"/>
-              <a:t>22/10/2018</a:t>
+              <a:t>25/10/2018</a:t>
             </a:fld>
             <a:endParaRPr lang="en-SG"/>
           </a:p>
@@ -1616,7 +1617,7 @@
           <a:p>
             <a:fld id="{9F2C596D-F840-4123-BB13-5EA365B3DE4E}" type="datetimeFigureOut">
               <a:rPr lang="en-SG" smtClean="0"/>
-              <a:t>22/10/2018</a:t>
+              <a:t>25/10/2018</a:t>
             </a:fld>
             <a:endParaRPr lang="en-SG"/>
           </a:p>
@@ -1734,7 +1735,7 @@
           <a:p>
             <a:fld id="{9F2C596D-F840-4123-BB13-5EA365B3DE4E}" type="datetimeFigureOut">
               <a:rPr lang="en-SG" smtClean="0"/>
-              <a:t>22/10/2018</a:t>
+              <a:t>25/10/2018</a:t>
             </a:fld>
             <a:endParaRPr lang="en-SG"/>
           </a:p>
@@ -1829,7 +1830,7 @@
           <a:p>
             <a:fld id="{9F2C596D-F840-4123-BB13-5EA365B3DE4E}" type="datetimeFigureOut">
               <a:rPr lang="en-SG" smtClean="0"/>
-              <a:t>22/10/2018</a:t>
+              <a:t>25/10/2018</a:t>
             </a:fld>
             <a:endParaRPr lang="en-SG"/>
           </a:p>
@@ -2106,7 +2107,7 @@
           <a:p>
             <a:fld id="{9F2C596D-F840-4123-BB13-5EA365B3DE4E}" type="datetimeFigureOut">
               <a:rPr lang="en-SG" smtClean="0"/>
-              <a:t>22/10/2018</a:t>
+              <a:t>25/10/2018</a:t>
             </a:fld>
             <a:endParaRPr lang="en-SG"/>
           </a:p>
@@ -2359,7 +2360,7 @@
           <a:p>
             <a:fld id="{9F2C596D-F840-4123-BB13-5EA365B3DE4E}" type="datetimeFigureOut">
               <a:rPr lang="en-SG" smtClean="0"/>
-              <a:t>22/10/2018</a:t>
+              <a:t>25/10/2018</a:t>
             </a:fld>
             <a:endParaRPr lang="en-SG"/>
           </a:p>
@@ -2572,7 +2573,7 @@
           <a:p>
             <a:fld id="{9F2C596D-F840-4123-BB13-5EA365B3DE4E}" type="datetimeFigureOut">
               <a:rPr lang="en-SG" smtClean="0"/>
-              <a:t>22/10/2018</a:t>
+              <a:t>25/10/2018</a:t>
             </a:fld>
             <a:endParaRPr lang="en-SG"/>
           </a:p>
@@ -2963,6 +2964,14 @@
 <file path=ppt/slides/slide1.xml><?xml version="1.0" encoding="utf-8"?>
 <p:sld xmlns:a="http://schemas.openxmlformats.org/drawingml/2006/main" xmlns:r="http://schemas.openxmlformats.org/officeDocument/2006/relationships" xmlns:p="http://schemas.openxmlformats.org/presentationml/2006/main">
   <p:cSld>
+    <p:bg>
+      <p:bgPr>
+        <a:solidFill>
+          <a:schemeClr val="bg1"/>
+        </a:solidFill>
+        <a:effectLst/>
+      </p:bgPr>
+    </p:bg>
     <p:spTree>
       <p:nvGrpSpPr>
         <p:cNvPr id="1" name=""/>
@@ -2979,6 +2988,54 @@
       </p:grpSpPr>
       <p:pic>
         <p:nvPicPr>
+          <p:cNvPr id="3" name="Picture 3" descr="Image result for kubernetes">
+            <a:hlinkClick r:id="rId2"/>
+            <a:extLst>
+              <a:ext uri="{FF2B5EF4-FFF2-40B4-BE49-F238E27FC236}">
+                <a16:creationId xmlns:a16="http://schemas.microsoft.com/office/drawing/2014/main" id="{46A3C1C0-846E-4699-9C16-7DD7B99D7C7B}"/>
+              </a:ext>
+            </a:extLst>
+          </p:cNvPr>
+          <p:cNvPicPr>
+            <a:picLocks noChangeAspect="1" noChangeArrowheads="1"/>
+          </p:cNvPicPr>
+          <p:nvPr/>
+        </p:nvPicPr>
+        <p:blipFill>
+          <a:blip r:embed="rId3">
+            <a:extLst>
+              <a:ext uri="{28A0092B-C50C-407E-A947-70E740481C1C}">
+                <a14:useLocalDpi xmlns:a14="http://schemas.microsoft.com/office/drawing/2010/main" val="0"/>
+              </a:ext>
+            </a:extLst>
+          </a:blip>
+          <a:srcRect/>
+          <a:stretch>
+            <a:fillRect/>
+          </a:stretch>
+        </p:blipFill>
+        <p:spPr bwMode="auto">
+          <a:xfrm>
+            <a:off x="127902" y="972924"/>
+            <a:ext cx="3547765" cy="3462889"/>
+          </a:xfrm>
+          <a:prstGeom prst="rect">
+            <a:avLst/>
+          </a:prstGeom>
+          <a:noFill/>
+          <a:extLst>
+            <a:ext uri="{909E8E84-426E-40DD-AFC4-6F175D3DCCD1}">
+              <a14:hiddenFill xmlns:a14="http://schemas.microsoft.com/office/drawing/2010/main">
+                <a:solidFill>
+                  <a:srgbClr val="FFFFFF"/>
+                </a:solidFill>
+              </a14:hiddenFill>
+            </a:ext>
+          </a:extLst>
+        </p:spPr>
+      </p:pic>
+      <p:pic>
+        <p:nvPicPr>
           <p:cNvPr id="5" name="Picture 4"/>
           <p:cNvPicPr>
             <a:picLocks noChangeAspect="1"/>
@@ -2986,15 +3043,83 @@
           <p:nvPr/>
         </p:nvPicPr>
         <p:blipFill>
-          <a:blip r:embed="rId2"/>
+          <a:blip r:embed="rId4"/>
           <a:stretch>
             <a:fillRect/>
           </a:stretch>
         </p:blipFill>
         <p:spPr>
           <a:xfrm>
-            <a:off x="654050" y="527050"/>
-            <a:ext cx="9956851" cy="5309546"/>
+            <a:off x="3675667" y="1167318"/>
+            <a:ext cx="7983076" cy="4250987"/>
+          </a:xfrm>
+          <a:prstGeom prst="rect">
+            <a:avLst/>
+          </a:prstGeom>
+        </p:spPr>
+      </p:pic>
+    </p:spTree>
+    <p:extLst>
+      <p:ext uri="{BB962C8B-B14F-4D97-AF65-F5344CB8AC3E}">
+        <p14:creationId xmlns:p14="http://schemas.microsoft.com/office/powerpoint/2010/main" val="2104229071"/>
+      </p:ext>
+    </p:extLst>
+  </p:cSld>
+  <p:clrMapOvr>
+    <a:masterClrMapping/>
+  </p:clrMapOvr>
+</p:sld>
+</file>
+
+<file path=ppt/slides/slide10.xml><?xml version="1.0" encoding="utf-8"?>
+<p:sld xmlns:a="http://schemas.openxmlformats.org/drawingml/2006/main" xmlns:r="http://schemas.openxmlformats.org/officeDocument/2006/relationships" xmlns:p="http://schemas.openxmlformats.org/presentationml/2006/main">
+  <p:cSld>
+    <p:spTree>
+      <p:nvGrpSpPr>
+        <p:cNvPr id="1" name=""/>
+        <p:cNvGrpSpPr/>
+        <p:nvPr/>
+      </p:nvGrpSpPr>
+      <p:grpSpPr>
+        <a:xfrm>
+          <a:off x="0" y="0"/>
+          <a:ext cx="0" cy="0"/>
+          <a:chOff x="0" y="0"/>
+          <a:chExt cx="0" cy="0"/>
+        </a:xfrm>
+      </p:grpSpPr>
+      <p:pic>
+        <p:nvPicPr>
+          <p:cNvPr id="9" name="Content Placeholder 8">
+            <a:extLst>
+              <a:ext uri="{FF2B5EF4-FFF2-40B4-BE49-F238E27FC236}">
+                <a16:creationId xmlns:a16="http://schemas.microsoft.com/office/drawing/2014/main" id="{9CD919DF-6752-499B-9333-9022E3789C5D}"/>
+              </a:ext>
+            </a:extLst>
+          </p:cNvPr>
+          <p:cNvPicPr>
+            <a:picLocks noGrp="1" noChangeAspect="1"/>
+          </p:cNvPicPr>
+          <p:nvPr>
+            <p:ph idx="1"/>
+          </p:nvPr>
+        </p:nvPicPr>
+        <p:blipFill>
+          <a:blip r:embed="rId2">
+            <a:extLst>
+              <a:ext uri="{28A0092B-C50C-407E-A947-70E740481C1C}">
+                <a14:useLocalDpi xmlns:a14="http://schemas.microsoft.com/office/drawing/2010/main" val="0"/>
+              </a:ext>
+            </a:extLst>
+          </a:blip>
+          <a:stretch>
+            <a:fillRect/>
+          </a:stretch>
+        </p:blipFill>
+        <p:spPr>
+          <a:xfrm>
+            <a:off x="1120478" y="1193397"/>
+            <a:ext cx="7009396" cy="4465060"/>
           </a:xfrm>
           <a:prstGeom prst="rect">
             <a:avLst/>
@@ -3007,7 +3132,7 @@
             <a:hlinkClick r:id="rId3"/>
             <a:extLst>
               <a:ext uri="{FF2B5EF4-FFF2-40B4-BE49-F238E27FC236}">
-                <a16:creationId xmlns:a16="http://schemas.microsoft.com/office/drawing/2014/main" id="{46A3C1C0-846E-4699-9C16-7DD7B99D7C7B}"/>
+                <a16:creationId xmlns:a16="http://schemas.microsoft.com/office/drawing/2014/main" id="{43D592DA-6AB4-4C5C-A5B0-A0B23D6CBF36}"/>
               </a:ext>
             </a:extLst>
           </p:cNvPr>
@@ -3031,7 +3156,7 @@
         </p:blipFill>
         <p:spPr bwMode="auto">
           <a:xfrm>
-            <a:off x="10610901" y="5382706"/>
+            <a:off x="10555430" y="5382705"/>
             <a:ext cx="1511453" cy="1475294"/>
           </a:xfrm>
           <a:prstGeom prst="rect">
@@ -3052,7 +3177,7 @@
     </p:spTree>
     <p:extLst>
       <p:ext uri="{BB962C8B-B14F-4D97-AF65-F5344CB8AC3E}">
-        <p14:creationId xmlns:p14="http://schemas.microsoft.com/office/powerpoint/2010/main" val="2104229071"/>
+        <p14:creationId xmlns:p14="http://schemas.microsoft.com/office/powerpoint/2010/main" val="1686405591"/>
       </p:ext>
     </p:extLst>
   </p:cSld>
@@ -3065,6 +3190,14 @@
 <file path=ppt/slides/slide2.xml><?xml version="1.0" encoding="utf-8"?>
 <p:sld xmlns:a="http://schemas.openxmlformats.org/drawingml/2006/main" xmlns:r="http://schemas.openxmlformats.org/officeDocument/2006/relationships" xmlns:p="http://schemas.openxmlformats.org/presentationml/2006/main">
   <p:cSld>
+    <p:bg>
+      <p:bgPr>
+        <a:solidFill>
+          <a:schemeClr val="bg1"/>
+        </a:solidFill>
+        <a:effectLst/>
+      </p:bgPr>
+    </p:bg>
     <p:spTree>
       <p:nvGrpSpPr>
         <p:cNvPr id="1" name=""/>
@@ -3079,6 +3212,320 @@
           <a:chExt cx="0" cy="0"/>
         </a:xfrm>
       </p:grpSpPr>
+      <p:sp>
+        <p:nvSpPr>
+          <p:cNvPr id="8" name="Rectangle 7">
+            <a:extLst>
+              <a:ext uri="{FF2B5EF4-FFF2-40B4-BE49-F238E27FC236}">
+                <a16:creationId xmlns:a16="http://schemas.microsoft.com/office/drawing/2014/main" id="{32BC26D8-82FB-445E-AA49-62A77D7C1EE0}"/>
+              </a:ext>
+              <a:ext uri="{C183D7F6-B498-43B3-948B-1728B52AA6E4}">
+                <adec:decorative xmlns:adec="http://schemas.microsoft.com/office/drawing/2017/decorative" val="1"/>
+              </a:ext>
+            </a:extLst>
+          </p:cNvPr>
+          <p:cNvSpPr>
+            <a:spLocks noGrp="1" noRot="1" noChangeAspect="1" noMove="1" noResize="1" noEditPoints="1" noAdjustHandles="1" noChangeArrowheads="1" noChangeShapeType="1" noTextEdit="1"/>
+          </p:cNvSpPr>
+          <p:nvPr>
+            <p:extLst>
+              <p:ext uri="{386F3935-93C4-4BCD-93E2-E3B085C9AB24}">
+                <p16:designElem xmlns:p16="http://schemas.microsoft.com/office/powerpoint/2015/main" val="1"/>
+              </p:ext>
+            </p:extLst>
+          </p:nvPr>
+        </p:nvSpPr>
+        <p:spPr>
+          <a:xfrm>
+            <a:off x="0" y="0"/>
+            <a:ext cx="12192000" cy="6858000"/>
+          </a:xfrm>
+          <a:prstGeom prst="rect">
+            <a:avLst/>
+          </a:prstGeom>
+          <a:solidFill>
+            <a:srgbClr val="424E59"/>
+          </a:solidFill>
+          <a:ln>
+            <a:noFill/>
+          </a:ln>
+        </p:spPr>
+        <p:style>
+          <a:lnRef idx="2">
+            <a:schemeClr val="accent1">
+              <a:shade val="50000"/>
+            </a:schemeClr>
+          </a:lnRef>
+          <a:fillRef idx="1">
+            <a:schemeClr val="accent1"/>
+          </a:fillRef>
+          <a:effectRef idx="0">
+            <a:schemeClr val="accent1"/>
+          </a:effectRef>
+          <a:fontRef idx="minor">
+            <a:schemeClr val="lt1"/>
+          </a:fontRef>
+        </p:style>
+        <p:txBody>
+          <a:bodyPr rtlCol="0" anchor="ctr"/>
+          <a:lstStyle/>
+          <a:p>
+            <a:pPr algn="ctr"/>
+            <a:endParaRPr lang="en-US"/>
+          </a:p>
+        </p:txBody>
+      </p:sp>
+      <p:sp>
+        <p:nvSpPr>
+          <p:cNvPr id="10" name="Rectangle 9">
+            <a:extLst>
+              <a:ext uri="{FF2B5EF4-FFF2-40B4-BE49-F238E27FC236}">
+                <a16:creationId xmlns:a16="http://schemas.microsoft.com/office/drawing/2014/main" id="{CB44330D-EA18-4254-AA95-EB49948539B8}"/>
+              </a:ext>
+              <a:ext uri="{C183D7F6-B498-43B3-948B-1728B52AA6E4}">
+                <adec:decorative xmlns:adec="http://schemas.microsoft.com/office/drawing/2017/decorative" val="1"/>
+              </a:ext>
+            </a:extLst>
+          </p:cNvPr>
+          <p:cNvSpPr>
+            <a:spLocks noGrp="1" noRot="1" noChangeAspect="1" noMove="1" noResize="1" noEditPoints="1" noAdjustHandles="1" noChangeArrowheads="1" noChangeShapeType="1" noTextEdit="1"/>
+          </p:cNvSpPr>
+          <p:nvPr>
+            <p:extLst>
+              <p:ext uri="{386F3935-93C4-4BCD-93E2-E3B085C9AB24}">
+                <p16:designElem xmlns:p16="http://schemas.microsoft.com/office/powerpoint/2015/main" val="1"/>
+              </p:ext>
+            </p:extLst>
+          </p:nvPr>
+        </p:nvSpPr>
+        <p:spPr>
+          <a:xfrm>
+            <a:off x="477012" y="480060"/>
+            <a:ext cx="11237976" cy="5897880"/>
+          </a:xfrm>
+          <a:prstGeom prst="rect">
+            <a:avLst/>
+          </a:prstGeom>
+          <a:solidFill>
+            <a:srgbClr val="FFFFFF"/>
+          </a:solidFill>
+          <a:ln>
+            <a:noFill/>
+          </a:ln>
+        </p:spPr>
+        <p:style>
+          <a:lnRef idx="2">
+            <a:schemeClr val="accent1">
+              <a:shade val="50000"/>
+            </a:schemeClr>
+          </a:lnRef>
+          <a:fillRef idx="1">
+            <a:schemeClr val="accent1"/>
+          </a:fillRef>
+          <a:effectRef idx="0">
+            <a:schemeClr val="accent1"/>
+          </a:effectRef>
+          <a:fontRef idx="minor">
+            <a:schemeClr val="lt1"/>
+          </a:fontRef>
+        </p:style>
+        <p:txBody>
+          <a:bodyPr rtlCol="0" anchor="ctr"/>
+          <a:lstStyle/>
+          <a:p>
+            <a:pPr algn="ctr"/>
+            <a:endParaRPr lang="en-US"/>
+          </a:p>
+        </p:txBody>
+      </p:sp>
+      <p:pic>
+        <p:nvPicPr>
+          <p:cNvPr id="3" name="Picture 2"/>
+          <p:cNvPicPr>
+            <a:picLocks noChangeAspect="1"/>
+          </p:cNvPicPr>
+          <p:nvPr/>
+        </p:nvPicPr>
+        <p:blipFill>
+          <a:blip r:embed="rId2"/>
+          <a:stretch>
+            <a:fillRect/>
+          </a:stretch>
+        </p:blipFill>
+        <p:spPr>
+          <a:xfrm>
+            <a:off x="643467" y="661839"/>
+            <a:ext cx="10905066" cy="5534321"/>
+          </a:xfrm>
+          <a:prstGeom prst="rect">
+            <a:avLst/>
+          </a:prstGeom>
+        </p:spPr>
+      </p:pic>
+    </p:spTree>
+    <p:extLst>
+      <p:ext uri="{BB962C8B-B14F-4D97-AF65-F5344CB8AC3E}">
+        <p14:creationId xmlns:p14="http://schemas.microsoft.com/office/powerpoint/2010/main" val="76740255"/>
+      </p:ext>
+    </p:extLst>
+  </p:cSld>
+  <p:clrMapOvr>
+    <a:masterClrMapping/>
+  </p:clrMapOvr>
+</p:sld>
+</file>
+
+<file path=ppt/slides/slide3.xml><?xml version="1.0" encoding="utf-8"?>
+<p:sld xmlns:a="http://schemas.openxmlformats.org/drawingml/2006/main" xmlns:r="http://schemas.openxmlformats.org/officeDocument/2006/relationships" xmlns:p="http://schemas.openxmlformats.org/presentationml/2006/main">
+  <p:cSld>
+    <p:bg>
+      <p:bgPr>
+        <a:solidFill>
+          <a:schemeClr val="bg1"/>
+        </a:solidFill>
+        <a:effectLst/>
+      </p:bgPr>
+    </p:bg>
+    <p:spTree>
+      <p:nvGrpSpPr>
+        <p:cNvPr id="1" name=""/>
+        <p:cNvGrpSpPr/>
+        <p:nvPr/>
+      </p:nvGrpSpPr>
+      <p:grpSpPr>
+        <a:xfrm>
+          <a:off x="0" y="0"/>
+          <a:ext cx="0" cy="0"/>
+          <a:chOff x="0" y="0"/>
+          <a:chExt cx="0" cy="0"/>
+        </a:xfrm>
+      </p:grpSpPr>
+      <p:sp>
+        <p:nvSpPr>
+          <p:cNvPr id="7" name="Rectangle 6">
+            <a:extLst>
+              <a:ext uri="{FF2B5EF4-FFF2-40B4-BE49-F238E27FC236}">
+                <a16:creationId xmlns:a16="http://schemas.microsoft.com/office/drawing/2014/main" id="{32BC26D8-82FB-445E-AA49-62A77D7C1EE0}"/>
+              </a:ext>
+              <a:ext uri="{C183D7F6-B498-43B3-948B-1728B52AA6E4}">
+                <adec:decorative xmlns:adec="http://schemas.microsoft.com/office/drawing/2017/decorative" val="1"/>
+              </a:ext>
+            </a:extLst>
+          </p:cNvPr>
+          <p:cNvSpPr>
+            <a:spLocks noGrp="1" noRot="1" noChangeAspect="1" noMove="1" noResize="1" noEditPoints="1" noAdjustHandles="1" noChangeArrowheads="1" noChangeShapeType="1" noTextEdit="1"/>
+          </p:cNvSpPr>
+          <p:nvPr>
+            <p:extLst>
+              <p:ext uri="{386F3935-93C4-4BCD-93E2-E3B085C9AB24}">
+                <p16:designElem xmlns:p16="http://schemas.microsoft.com/office/powerpoint/2015/main" val="1"/>
+              </p:ext>
+            </p:extLst>
+          </p:nvPr>
+        </p:nvSpPr>
+        <p:spPr>
+          <a:xfrm>
+            <a:off x="0" y="0"/>
+            <a:ext cx="12192000" cy="6858000"/>
+          </a:xfrm>
+          <a:prstGeom prst="rect">
+            <a:avLst/>
+          </a:prstGeom>
+          <a:solidFill>
+            <a:srgbClr val="3C4956"/>
+          </a:solidFill>
+          <a:ln>
+            <a:noFill/>
+          </a:ln>
+        </p:spPr>
+        <p:style>
+          <a:lnRef idx="2">
+            <a:schemeClr val="accent1">
+              <a:shade val="50000"/>
+            </a:schemeClr>
+          </a:lnRef>
+          <a:fillRef idx="1">
+            <a:schemeClr val="accent1"/>
+          </a:fillRef>
+          <a:effectRef idx="0">
+            <a:schemeClr val="accent1"/>
+          </a:effectRef>
+          <a:fontRef idx="minor">
+            <a:schemeClr val="lt1"/>
+          </a:fontRef>
+        </p:style>
+        <p:txBody>
+          <a:bodyPr rtlCol="0" anchor="ctr"/>
+          <a:lstStyle/>
+          <a:p>
+            <a:pPr algn="ctr"/>
+            <a:endParaRPr lang="en-US"/>
+          </a:p>
+        </p:txBody>
+      </p:sp>
+      <p:sp>
+        <p:nvSpPr>
+          <p:cNvPr id="9" name="Rectangle 8">
+            <a:extLst>
+              <a:ext uri="{FF2B5EF4-FFF2-40B4-BE49-F238E27FC236}">
+                <a16:creationId xmlns:a16="http://schemas.microsoft.com/office/drawing/2014/main" id="{CB44330D-EA18-4254-AA95-EB49948539B8}"/>
+              </a:ext>
+              <a:ext uri="{C183D7F6-B498-43B3-948B-1728B52AA6E4}">
+                <adec:decorative xmlns:adec="http://schemas.microsoft.com/office/drawing/2017/decorative" val="1"/>
+              </a:ext>
+            </a:extLst>
+          </p:cNvPr>
+          <p:cNvSpPr>
+            <a:spLocks noGrp="1" noRot="1" noChangeAspect="1" noMove="1" noResize="1" noEditPoints="1" noAdjustHandles="1" noChangeArrowheads="1" noChangeShapeType="1" noTextEdit="1"/>
+          </p:cNvSpPr>
+          <p:nvPr>
+            <p:extLst>
+              <p:ext uri="{386F3935-93C4-4BCD-93E2-E3B085C9AB24}">
+                <p16:designElem xmlns:p16="http://schemas.microsoft.com/office/powerpoint/2015/main" val="1"/>
+              </p:ext>
+            </p:extLst>
+          </p:nvPr>
+        </p:nvSpPr>
+        <p:spPr>
+          <a:xfrm>
+            <a:off x="477012" y="480060"/>
+            <a:ext cx="11237976" cy="5897880"/>
+          </a:xfrm>
+          <a:prstGeom prst="rect">
+            <a:avLst/>
+          </a:prstGeom>
+          <a:solidFill>
+            <a:srgbClr val="FFFFFF"/>
+          </a:solidFill>
+          <a:ln>
+            <a:noFill/>
+          </a:ln>
+        </p:spPr>
+        <p:style>
+          <a:lnRef idx="2">
+            <a:schemeClr val="accent1">
+              <a:shade val="50000"/>
+            </a:schemeClr>
+          </a:lnRef>
+          <a:fillRef idx="1">
+            <a:schemeClr val="accent1"/>
+          </a:fillRef>
+          <a:effectRef idx="0">
+            <a:schemeClr val="accent1"/>
+          </a:effectRef>
+          <a:fontRef idx="minor">
+            <a:schemeClr val="lt1"/>
+          </a:fontRef>
+        </p:style>
+        <p:txBody>
+          <a:bodyPr rtlCol="0" anchor="ctr"/>
+          <a:lstStyle/>
+          <a:p>
+            <a:pPr algn="ctr"/>
+            <a:endParaRPr lang="en-US"/>
+          </a:p>
+        </p:txBody>
+      </p:sp>
       <p:pic>
         <p:nvPicPr>
           <p:cNvPr id="2" name="Picture 1"/>
@@ -3095,8 +3542,8 @@
         </p:blipFill>
         <p:spPr>
           <a:xfrm>
-            <a:off x="774700" y="558800"/>
-            <a:ext cx="10642600" cy="5740400"/>
+            <a:off x="913613" y="643467"/>
+            <a:ext cx="10364773" cy="5571066"/>
           </a:xfrm>
           <a:prstGeom prst="rect">
             <a:avLst/>
@@ -3106,7 +3553,7 @@
     </p:spTree>
     <p:extLst>
       <p:ext uri="{BB962C8B-B14F-4D97-AF65-F5344CB8AC3E}">
-        <p14:creationId xmlns:p14="http://schemas.microsoft.com/office/powerpoint/2010/main" val="1095371810"/>
+        <p14:creationId xmlns:p14="http://schemas.microsoft.com/office/powerpoint/2010/main" val="1702152359"/>
       </p:ext>
     </p:extLst>
   </p:cSld>
@@ -3116,9 +3563,17 @@
 </p:sld>
 </file>
 
-<file path=ppt/slides/slide3.xml><?xml version="1.0" encoding="utf-8"?>
+<file path=ppt/slides/slide4.xml><?xml version="1.0" encoding="utf-8"?>
 <p:sld xmlns:a="http://schemas.openxmlformats.org/drawingml/2006/main" xmlns:r="http://schemas.openxmlformats.org/officeDocument/2006/relationships" xmlns:p="http://schemas.openxmlformats.org/presentationml/2006/main">
   <p:cSld>
+    <p:bg>
+      <p:bgPr>
+        <a:solidFill>
+          <a:schemeClr val="bg1"/>
+        </a:solidFill>
+        <a:effectLst/>
+      </p:bgPr>
+    </p:bg>
     <p:spTree>
       <p:nvGrpSpPr>
         <p:cNvPr id="1" name=""/>
@@ -3133,37 +3588,139 @@
           <a:chExt cx="0" cy="0"/>
         </a:xfrm>
       </p:grpSpPr>
-      <p:pic>
-        <p:nvPicPr>
-          <p:cNvPr id="3" name="Picture 2"/>
-          <p:cNvPicPr>
-            <a:picLocks noChangeAspect="1"/>
-          </p:cNvPicPr>
-          <p:nvPr/>
-        </p:nvPicPr>
-        <p:blipFill>
-          <a:blip r:embed="rId2"/>
-          <a:stretch>
-            <a:fillRect/>
-          </a:stretch>
-        </p:blipFill>
+      <p:sp>
+        <p:nvSpPr>
+          <p:cNvPr id="8" name="Rectangle 7">
+            <a:extLst>
+              <a:ext uri="{FF2B5EF4-FFF2-40B4-BE49-F238E27FC236}">
+                <a16:creationId xmlns:a16="http://schemas.microsoft.com/office/drawing/2014/main" id="{5F9CFCE6-877F-4858-B8BD-2C52CA8AFBC4}"/>
+              </a:ext>
+              <a:ext uri="{C183D7F6-B498-43B3-948B-1728B52AA6E4}">
+                <adec:decorative xmlns:adec="http://schemas.microsoft.com/office/drawing/2017/decorative" val="1"/>
+              </a:ext>
+            </a:extLst>
+          </p:cNvPr>
+          <p:cNvSpPr>
+            <a:spLocks noGrp="1" noRot="1" noChangeAspect="1" noMove="1" noResize="1" noEditPoints="1" noAdjustHandles="1" noChangeArrowheads="1" noChangeShapeType="1" noTextEdit="1"/>
+          </p:cNvSpPr>
+          <p:nvPr>
+            <p:extLst>
+              <p:ext uri="{386F3935-93C4-4BCD-93E2-E3B085C9AB24}">
+                <p16:designElem xmlns:p16="http://schemas.microsoft.com/office/powerpoint/2015/main" val="1"/>
+              </p:ext>
+            </p:extLst>
+          </p:nvPr>
+        </p:nvSpPr>
         <p:spPr>
           <a:xfrm>
-            <a:off x="698500" y="571500"/>
-            <a:ext cx="10795000" cy="5715000"/>
+            <a:off x="0" y="0"/>
+            <a:ext cx="12192000" cy="6858000"/>
           </a:xfrm>
           <a:prstGeom prst="rect">
             <a:avLst/>
           </a:prstGeom>
-        </p:spPr>
-      </p:pic>
+          <a:solidFill>
+            <a:srgbClr val="4E4E4E"/>
+          </a:solidFill>
+          <a:ln>
+            <a:noFill/>
+          </a:ln>
+        </p:spPr>
+        <p:style>
+          <a:lnRef idx="2">
+            <a:schemeClr val="accent1">
+              <a:shade val="50000"/>
+            </a:schemeClr>
+          </a:lnRef>
+          <a:fillRef idx="1">
+            <a:schemeClr val="accent1"/>
+          </a:fillRef>
+          <a:effectRef idx="0">
+            <a:schemeClr val="accent1"/>
+          </a:effectRef>
+          <a:fontRef idx="minor">
+            <a:schemeClr val="lt1"/>
+          </a:fontRef>
+        </p:style>
+        <p:txBody>
+          <a:bodyPr rtlCol="0" anchor="ctr"/>
+          <a:lstStyle/>
+          <a:p>
+            <a:pPr algn="ctr"/>
+            <a:endParaRPr lang="en-US"/>
+          </a:p>
+        </p:txBody>
+      </p:sp>
+      <p:sp>
+        <p:nvSpPr>
+          <p:cNvPr id="10" name="Rectangle 9">
+            <a:extLst>
+              <a:ext uri="{FF2B5EF4-FFF2-40B4-BE49-F238E27FC236}">
+                <a16:creationId xmlns:a16="http://schemas.microsoft.com/office/drawing/2014/main" id="{8213F8A0-12AE-4514-8372-0DD766EC28EE}"/>
+              </a:ext>
+              <a:ext uri="{C183D7F6-B498-43B3-948B-1728B52AA6E4}">
+                <adec:decorative xmlns:adec="http://schemas.microsoft.com/office/drawing/2017/decorative" val="1"/>
+              </a:ext>
+            </a:extLst>
+          </p:cNvPr>
+          <p:cNvSpPr>
+            <a:spLocks noGrp="1" noRot="1" noChangeAspect="1" noMove="1" noResize="1" noEditPoints="1" noAdjustHandles="1" noChangeArrowheads="1" noChangeShapeType="1" noTextEdit="1"/>
+          </p:cNvSpPr>
+          <p:nvPr>
+            <p:extLst>
+              <p:ext uri="{386F3935-93C4-4BCD-93E2-E3B085C9AB24}">
+                <p16:designElem xmlns:p16="http://schemas.microsoft.com/office/powerpoint/2015/main" val="1"/>
+              </p:ext>
+            </p:extLst>
+          </p:nvPr>
+        </p:nvSpPr>
+        <p:spPr>
+          <a:xfrm>
+            <a:off x="6256866" y="480060"/>
+            <a:ext cx="5458122" cy="5897880"/>
+          </a:xfrm>
+          <a:prstGeom prst="rect">
+            <a:avLst/>
+          </a:prstGeom>
+          <a:solidFill>
+            <a:srgbClr val="FFFFFF"/>
+          </a:solidFill>
+          <a:ln>
+            <a:noFill/>
+          </a:ln>
+        </p:spPr>
+        <p:style>
+          <a:lnRef idx="2">
+            <a:schemeClr val="accent1">
+              <a:shade val="50000"/>
+            </a:schemeClr>
+          </a:lnRef>
+          <a:fillRef idx="1">
+            <a:schemeClr val="accent1"/>
+          </a:fillRef>
+          <a:effectRef idx="0">
+            <a:schemeClr val="accent1"/>
+          </a:effectRef>
+          <a:fontRef idx="minor">
+            <a:schemeClr val="lt1"/>
+          </a:fontRef>
+        </p:style>
+        <p:txBody>
+          <a:bodyPr rtlCol="0" anchor="ctr"/>
+          <a:lstStyle/>
+          <a:p>
+            <a:pPr algn="ctr"/>
+            <a:endParaRPr lang="en-US"/>
+          </a:p>
+        </p:txBody>
+      </p:sp>
       <p:pic>
         <p:nvPicPr>
-          <p:cNvPr id="4" name="Picture 3" descr="Image result for kubernetes">
-            <a:hlinkClick r:id="rId3"/>
+          <p:cNvPr id="3" name="Picture 3" descr="Image result for kubernetes">
+            <a:hlinkClick r:id="rId2"/>
             <a:extLst>
               <a:ext uri="{FF2B5EF4-FFF2-40B4-BE49-F238E27FC236}">
-                <a16:creationId xmlns:a16="http://schemas.microsoft.com/office/drawing/2014/main" id="{DE789646-55A7-4ED5-B960-F863A2EB618F}"/>
+                <a16:creationId xmlns:a16="http://schemas.microsoft.com/office/drawing/2014/main" id="{1C29A97D-0EFD-4A83-9882-C1466532F824}"/>
               </a:ext>
             </a:extLst>
           </p:cNvPr>
@@ -3173,7 +3730,7 @@
           <p:nvPr/>
         </p:nvPicPr>
         <p:blipFill>
-          <a:blip r:embed="rId4">
+          <a:blip r:embed="rId3">
             <a:extLst>
               <a:ext uri="{28A0092B-C50C-407E-A947-70E740481C1C}">
                 <a14:useLocalDpi xmlns:a14="http://schemas.microsoft.com/office/drawing/2010/main" val="0"/>
@@ -3187,8 +3744,8 @@
         </p:blipFill>
         <p:spPr bwMode="auto">
           <a:xfrm>
-            <a:off x="10555430" y="5382705"/>
-            <a:ext cx="1511453" cy="1475294"/>
+            <a:off x="6421035" y="925469"/>
+            <a:ext cx="5129784" cy="5007061"/>
           </a:xfrm>
           <a:prstGeom prst="rect">
             <a:avLst/>
@@ -3205,36 +3762,69 @@
           </a:extLst>
         </p:spPr>
       </p:pic>
-    </p:spTree>
-    <p:extLst>
-      <p:ext uri="{BB962C8B-B14F-4D97-AF65-F5344CB8AC3E}">
-        <p14:creationId xmlns:p14="http://schemas.microsoft.com/office/powerpoint/2010/main" val="1137416568"/>
-      </p:ext>
-    </p:extLst>
-  </p:cSld>
-  <p:clrMapOvr>
-    <a:masterClrMapping/>
-  </p:clrMapOvr>
-</p:sld>
-</file>
-
-<file path=ppt/slides/slide4.xml><?xml version="1.0" encoding="utf-8"?>
-<p:sld xmlns:a="http://schemas.openxmlformats.org/drawingml/2006/main" xmlns:r="http://schemas.openxmlformats.org/officeDocument/2006/relationships" xmlns:p="http://schemas.openxmlformats.org/presentationml/2006/main">
-  <p:cSld>
-    <p:spTree>
-      <p:nvGrpSpPr>
-        <p:cNvPr id="1" name=""/>
-        <p:cNvGrpSpPr/>
-        <p:nvPr/>
-      </p:nvGrpSpPr>
-      <p:grpSpPr>
-        <a:xfrm>
-          <a:off x="0" y="0"/>
-          <a:ext cx="0" cy="0"/>
-          <a:chOff x="0" y="0"/>
-          <a:chExt cx="0" cy="0"/>
-        </a:xfrm>
-      </p:grpSpPr>
+      <p:sp>
+        <p:nvSpPr>
+          <p:cNvPr id="12" name="Rectangle 11">
+            <a:extLst>
+              <a:ext uri="{FF2B5EF4-FFF2-40B4-BE49-F238E27FC236}">
+                <a16:creationId xmlns:a16="http://schemas.microsoft.com/office/drawing/2014/main" id="{9EFF17D4-9A8C-4CE5-B096-D8CCD4400437}"/>
+              </a:ext>
+              <a:ext uri="{C183D7F6-B498-43B3-948B-1728B52AA6E4}">
+                <adec:decorative xmlns:adec="http://schemas.microsoft.com/office/drawing/2017/decorative" val="1"/>
+              </a:ext>
+            </a:extLst>
+          </p:cNvPr>
+          <p:cNvSpPr>
+            <a:spLocks noGrp="1" noRot="1" noChangeAspect="1" noMove="1" noResize="1" noEditPoints="1" noAdjustHandles="1" noChangeArrowheads="1" noChangeShapeType="1" noTextEdit="1"/>
+          </p:cNvSpPr>
+          <p:nvPr>
+            <p:extLst>
+              <p:ext uri="{386F3935-93C4-4BCD-93E2-E3B085C9AB24}">
+                <p16:designElem xmlns:p16="http://schemas.microsoft.com/office/powerpoint/2015/main" val="1"/>
+              </p:ext>
+            </p:extLst>
+          </p:nvPr>
+        </p:nvSpPr>
+        <p:spPr>
+          <a:xfrm>
+            <a:off x="477012" y="480060"/>
+            <a:ext cx="5458121" cy="5897880"/>
+          </a:xfrm>
+          <a:prstGeom prst="rect">
+            <a:avLst/>
+          </a:prstGeom>
+          <a:solidFill>
+            <a:srgbClr val="FFFFFF"/>
+          </a:solidFill>
+          <a:ln>
+            <a:noFill/>
+          </a:ln>
+        </p:spPr>
+        <p:style>
+          <a:lnRef idx="2">
+            <a:schemeClr val="accent1">
+              <a:shade val="50000"/>
+            </a:schemeClr>
+          </a:lnRef>
+          <a:fillRef idx="1">
+            <a:schemeClr val="accent1"/>
+          </a:fillRef>
+          <a:effectRef idx="0">
+            <a:schemeClr val="accent1"/>
+          </a:effectRef>
+          <a:fontRef idx="minor">
+            <a:schemeClr val="lt1"/>
+          </a:fontRef>
+        </p:style>
+        <p:txBody>
+          <a:bodyPr rtlCol="0" anchor="ctr"/>
+          <a:lstStyle/>
+          <a:p>
+            <a:pPr algn="ctr"/>
+            <a:endParaRPr lang="en-US"/>
+          </a:p>
+        </p:txBody>
+      </p:sp>
       <p:pic>
         <p:nvPicPr>
           <p:cNvPr id="2" name="Picture 1"/>
@@ -3244,67 +3834,19 @@
           <p:nvPr/>
         </p:nvPicPr>
         <p:blipFill>
-          <a:blip r:embed="rId2"/>
+          <a:blip r:embed="rId4"/>
           <a:stretch>
             <a:fillRect/>
           </a:stretch>
         </p:blipFill>
         <p:spPr>
           <a:xfrm>
-            <a:off x="660400" y="679450"/>
-            <a:ext cx="10871200" cy="5499100"/>
+            <a:off x="641180" y="2133729"/>
+            <a:ext cx="5129784" cy="2590541"/>
           </a:xfrm>
           <a:prstGeom prst="rect">
             <a:avLst/>
           </a:prstGeom>
-        </p:spPr>
-      </p:pic>
-      <p:pic>
-        <p:nvPicPr>
-          <p:cNvPr id="3" name="Picture 3" descr="Image result for kubernetes">
-            <a:hlinkClick r:id="rId3"/>
-            <a:extLst>
-              <a:ext uri="{FF2B5EF4-FFF2-40B4-BE49-F238E27FC236}">
-                <a16:creationId xmlns:a16="http://schemas.microsoft.com/office/drawing/2014/main" id="{1C29A97D-0EFD-4A83-9882-C1466532F824}"/>
-              </a:ext>
-            </a:extLst>
-          </p:cNvPr>
-          <p:cNvPicPr>
-            <a:picLocks noChangeAspect="1" noChangeArrowheads="1"/>
-          </p:cNvPicPr>
-          <p:nvPr/>
-        </p:nvPicPr>
-        <p:blipFill>
-          <a:blip r:embed="rId4">
-            <a:extLst>
-              <a:ext uri="{28A0092B-C50C-407E-A947-70E740481C1C}">
-                <a14:useLocalDpi xmlns:a14="http://schemas.microsoft.com/office/drawing/2010/main" val="0"/>
-              </a:ext>
-            </a:extLst>
-          </a:blip>
-          <a:srcRect/>
-          <a:stretch>
-            <a:fillRect/>
-          </a:stretch>
-        </p:blipFill>
-        <p:spPr bwMode="auto">
-          <a:xfrm>
-            <a:off x="10555430" y="5382705"/>
-            <a:ext cx="1511453" cy="1475294"/>
-          </a:xfrm>
-          <a:prstGeom prst="rect">
-            <a:avLst/>
-          </a:prstGeom>
-          <a:noFill/>
-          <a:extLst>
-            <a:ext uri="{909E8E84-426E-40DD-AFC4-6F175D3DCCD1}">
-              <a14:hiddenFill xmlns:a14="http://schemas.microsoft.com/office/drawing/2010/main">
-                <a:solidFill>
-                  <a:srgbClr val="FFFFFF"/>
-                </a:solidFill>
-              </a14:hiddenFill>
-            </a:ext>
-          </a:extLst>
         </p:spPr>
       </p:pic>
     </p:spTree>
@@ -3353,18 +3895,66 @@
         </p:blipFill>
         <p:spPr>
           <a:xfrm>
-            <a:off x="565150" y="615950"/>
-            <a:ext cx="11061700" cy="5626100"/>
+            <a:off x="698500" y="571500"/>
+            <a:ext cx="10795000" cy="5715000"/>
           </a:xfrm>
           <a:prstGeom prst="rect">
             <a:avLst/>
           </a:prstGeom>
+        </p:spPr>
+      </p:pic>
+      <p:pic>
+        <p:nvPicPr>
+          <p:cNvPr id="4" name="Picture 3" descr="Image result for kubernetes">
+            <a:hlinkClick r:id="rId3"/>
+            <a:extLst>
+              <a:ext uri="{FF2B5EF4-FFF2-40B4-BE49-F238E27FC236}">
+                <a16:creationId xmlns:a16="http://schemas.microsoft.com/office/drawing/2014/main" id="{DE789646-55A7-4ED5-B960-F863A2EB618F}"/>
+              </a:ext>
+            </a:extLst>
+          </p:cNvPr>
+          <p:cNvPicPr>
+            <a:picLocks noChangeAspect="1" noChangeArrowheads="1"/>
+          </p:cNvPicPr>
+          <p:nvPr/>
+        </p:nvPicPr>
+        <p:blipFill>
+          <a:blip r:embed="rId4">
+            <a:extLst>
+              <a:ext uri="{28A0092B-C50C-407E-A947-70E740481C1C}">
+                <a14:useLocalDpi xmlns:a14="http://schemas.microsoft.com/office/drawing/2010/main" val="0"/>
+              </a:ext>
+            </a:extLst>
+          </a:blip>
+          <a:srcRect/>
+          <a:stretch>
+            <a:fillRect/>
+          </a:stretch>
+        </p:blipFill>
+        <p:spPr bwMode="auto">
+          <a:xfrm>
+            <a:off x="10555430" y="5382705"/>
+            <a:ext cx="1511453" cy="1475294"/>
+          </a:xfrm>
+          <a:prstGeom prst="rect">
+            <a:avLst/>
+          </a:prstGeom>
+          <a:noFill/>
+          <a:extLst>
+            <a:ext uri="{909E8E84-426E-40DD-AFC4-6F175D3DCCD1}">
+              <a14:hiddenFill xmlns:a14="http://schemas.microsoft.com/office/drawing/2010/main">
+                <a:solidFill>
+                  <a:srgbClr val="FFFFFF"/>
+                </a:solidFill>
+              </a14:hiddenFill>
+            </a:ext>
+          </a:extLst>
         </p:spPr>
       </p:pic>
     </p:spTree>
     <p:extLst>
       <p:ext uri="{BB962C8B-B14F-4D97-AF65-F5344CB8AC3E}">
-        <p14:creationId xmlns:p14="http://schemas.microsoft.com/office/powerpoint/2010/main" val="76740255"/>
+        <p14:creationId xmlns:p14="http://schemas.microsoft.com/office/powerpoint/2010/main" val="1137416568"/>
       </p:ext>
     </p:extLst>
   </p:cSld>
@@ -3375,6 +3965,374 @@
 </file>
 
 <file path=ppt/slides/slide6.xml><?xml version="1.0" encoding="utf-8"?>
+<p:sld xmlns:a="http://schemas.openxmlformats.org/drawingml/2006/main" xmlns:r="http://schemas.openxmlformats.org/officeDocument/2006/relationships" xmlns:p="http://schemas.openxmlformats.org/presentationml/2006/main">
+  <p:cSld>
+    <p:bg>
+      <p:bgPr>
+        <a:solidFill>
+          <a:schemeClr val="bg1"/>
+        </a:solidFill>
+        <a:effectLst/>
+      </p:bgPr>
+    </p:bg>
+    <p:spTree>
+      <p:nvGrpSpPr>
+        <p:cNvPr id="1" name=""/>
+        <p:cNvGrpSpPr/>
+        <p:nvPr/>
+      </p:nvGrpSpPr>
+      <p:grpSpPr>
+        <a:xfrm>
+          <a:off x="0" y="0"/>
+          <a:ext cx="0" cy="0"/>
+          <a:chOff x="0" y="0"/>
+          <a:chExt cx="0" cy="0"/>
+        </a:xfrm>
+      </p:grpSpPr>
+      <p:sp>
+        <p:nvSpPr>
+          <p:cNvPr id="9" name="Rectangle 8">
+            <a:extLst>
+              <a:ext uri="{FF2B5EF4-FFF2-40B4-BE49-F238E27FC236}">
+                <a16:creationId xmlns:a16="http://schemas.microsoft.com/office/drawing/2014/main" id="{A4AC5506-6312-4701-8D3C-40187889A947}"/>
+              </a:ext>
+              <a:ext uri="{C183D7F6-B498-43B3-948B-1728B52AA6E4}">
+                <adec:decorative xmlns:adec="http://schemas.microsoft.com/office/drawing/2017/decorative" val="1"/>
+              </a:ext>
+            </a:extLst>
+          </p:cNvPr>
+          <p:cNvSpPr>
+            <a:spLocks noGrp="1" noRot="1" noChangeAspect="1" noMove="1" noResize="1" noEditPoints="1" noAdjustHandles="1" noChangeArrowheads="1" noChangeShapeType="1" noTextEdit="1"/>
+          </p:cNvSpPr>
+          <p:nvPr>
+            <p:extLst>
+              <p:ext uri="{386F3935-93C4-4BCD-93E2-E3B085C9AB24}">
+                <p16:designElem xmlns:p16="http://schemas.microsoft.com/office/powerpoint/2015/main" val="1"/>
+              </p:ext>
+            </p:extLst>
+          </p:nvPr>
+        </p:nvSpPr>
+        <p:spPr>
+          <a:xfrm>
+            <a:off x="0" y="651752"/>
+            <a:ext cx="12192000" cy="736551"/>
+          </a:xfrm>
+          <a:prstGeom prst="rect">
+            <a:avLst/>
+          </a:prstGeom>
+          <a:solidFill>
+            <a:schemeClr val="tx1"/>
+          </a:solidFill>
+          <a:ln>
+            <a:noFill/>
+          </a:ln>
+        </p:spPr>
+        <p:style>
+          <a:lnRef idx="2">
+            <a:schemeClr val="accent1">
+              <a:shade val="50000"/>
+            </a:schemeClr>
+          </a:lnRef>
+          <a:fillRef idx="1">
+            <a:schemeClr val="accent1"/>
+          </a:fillRef>
+          <a:effectRef idx="0">
+            <a:schemeClr val="accent1"/>
+          </a:effectRef>
+          <a:fontRef idx="minor">
+            <a:schemeClr val="lt1"/>
+          </a:fontRef>
+        </p:style>
+        <p:txBody>
+          <a:bodyPr rtlCol="0" anchor="ctr"/>
+          <a:lstStyle/>
+          <a:p>
+            <a:pPr algn="ctr"/>
+            <a:endParaRPr lang="en-US"/>
+          </a:p>
+        </p:txBody>
+      </p:sp>
+      <p:sp>
+        <p:nvSpPr>
+          <p:cNvPr id="2" name="Title 1">
+            <a:extLst>
+              <a:ext uri="{FF2B5EF4-FFF2-40B4-BE49-F238E27FC236}">
+                <a16:creationId xmlns:a16="http://schemas.microsoft.com/office/drawing/2014/main" id="{72D6C512-FA6E-49AD-9E2C-71D919F6E482}"/>
+              </a:ext>
+            </a:extLst>
+          </p:cNvPr>
+          <p:cNvSpPr>
+            <a:spLocks noGrp="1"/>
+          </p:cNvSpPr>
+          <p:nvPr>
+            <p:ph type="title"/>
+          </p:nvPr>
+        </p:nvSpPr>
+        <p:spPr>
+          <a:xfrm>
+            <a:off x="556532" y="643467"/>
+            <a:ext cx="11210925" cy="744836"/>
+          </a:xfrm>
+        </p:spPr>
+        <p:txBody>
+          <a:bodyPr>
+            <a:normAutofit/>
+          </a:bodyPr>
+          <a:lstStyle/>
+          <a:p>
+            <a:pPr algn="ctr"/>
+            <a:r>
+              <a:rPr lang="en-SG" sz="3200">
+                <a:solidFill>
+                  <a:schemeClr val="bg1"/>
+                </a:solidFill>
+              </a:rPr>
+              <a:t>Quota and Limits </a:t>
+            </a:r>
+          </a:p>
+        </p:txBody>
+      </p:sp>
+      <p:pic>
+        <p:nvPicPr>
+          <p:cNvPr id="4" name="Picture 3">
+            <a:extLst>
+              <a:ext uri="{FF2B5EF4-FFF2-40B4-BE49-F238E27FC236}">
+                <a16:creationId xmlns:a16="http://schemas.microsoft.com/office/drawing/2014/main" id="{B0A40B6E-D875-48B7-A6D0-7B30D562C664}"/>
+              </a:ext>
+            </a:extLst>
+          </p:cNvPr>
+          <p:cNvPicPr>
+            <a:picLocks noChangeAspect="1"/>
+          </p:cNvPicPr>
+          <p:nvPr/>
+        </p:nvPicPr>
+        <p:blipFill>
+          <a:blip r:embed="rId2">
+            <a:extLst>
+              <a:ext uri="{28A0092B-C50C-407E-A947-70E740481C1C}">
+                <a14:useLocalDpi xmlns:a14="http://schemas.microsoft.com/office/drawing/2010/main" val="0"/>
+              </a:ext>
+            </a:extLst>
+          </a:blip>
+          <a:stretch>
+            <a:fillRect/>
+          </a:stretch>
+        </p:blipFill>
+        <p:spPr>
+          <a:xfrm>
+            <a:off x="1589128" y="1675227"/>
+            <a:ext cx="9013743" cy="4394199"/>
+          </a:xfrm>
+          <a:prstGeom prst="rect">
+            <a:avLst/>
+          </a:prstGeom>
+        </p:spPr>
+      </p:pic>
+    </p:spTree>
+    <p:extLst>
+      <p:ext uri="{BB962C8B-B14F-4D97-AF65-F5344CB8AC3E}">
+        <p14:creationId xmlns:p14="http://schemas.microsoft.com/office/powerpoint/2010/main" val="101670667"/>
+      </p:ext>
+    </p:extLst>
+  </p:cSld>
+  <p:clrMapOvr>
+    <a:masterClrMapping/>
+  </p:clrMapOvr>
+</p:sld>
+</file>
+
+<file path=ppt/slides/slide7.xml><?xml version="1.0" encoding="utf-8"?>
+<p:sld xmlns:a="http://schemas.openxmlformats.org/drawingml/2006/main" xmlns:r="http://schemas.openxmlformats.org/officeDocument/2006/relationships" xmlns:p="http://schemas.openxmlformats.org/presentationml/2006/main">
+  <p:cSld>
+    <p:bg>
+      <p:bgPr>
+        <a:solidFill>
+          <a:schemeClr val="bg1"/>
+        </a:solidFill>
+        <a:effectLst/>
+      </p:bgPr>
+    </p:bg>
+    <p:spTree>
+      <p:nvGrpSpPr>
+        <p:cNvPr id="1" name=""/>
+        <p:cNvGrpSpPr/>
+        <p:nvPr/>
+      </p:nvGrpSpPr>
+      <p:grpSpPr>
+        <a:xfrm>
+          <a:off x="0" y="0"/>
+          <a:ext cx="0" cy="0"/>
+          <a:chOff x="0" y="0"/>
+          <a:chExt cx="0" cy="0"/>
+        </a:xfrm>
+      </p:grpSpPr>
+      <p:sp>
+        <p:nvSpPr>
+          <p:cNvPr id="7" name="Rectangle 6">
+            <a:extLst>
+              <a:ext uri="{FF2B5EF4-FFF2-40B4-BE49-F238E27FC236}">
+                <a16:creationId xmlns:a16="http://schemas.microsoft.com/office/drawing/2014/main" id="{32BC26D8-82FB-445E-AA49-62A77D7C1EE0}"/>
+              </a:ext>
+              <a:ext uri="{C183D7F6-B498-43B3-948B-1728B52AA6E4}">
+                <adec:decorative xmlns:adec="http://schemas.microsoft.com/office/drawing/2017/decorative" val="1"/>
+              </a:ext>
+            </a:extLst>
+          </p:cNvPr>
+          <p:cNvSpPr>
+            <a:spLocks noGrp="1" noRot="1" noChangeAspect="1" noMove="1" noResize="1" noEditPoints="1" noAdjustHandles="1" noChangeArrowheads="1" noChangeShapeType="1" noTextEdit="1"/>
+          </p:cNvSpPr>
+          <p:nvPr>
+            <p:extLst>
+              <p:ext uri="{386F3935-93C4-4BCD-93E2-E3B085C9AB24}">
+                <p16:designElem xmlns:p16="http://schemas.microsoft.com/office/powerpoint/2015/main" val="1"/>
+              </p:ext>
+            </p:extLst>
+          </p:nvPr>
+        </p:nvSpPr>
+        <p:spPr>
+          <a:xfrm>
+            <a:off x="0" y="0"/>
+            <a:ext cx="12192000" cy="6858000"/>
+          </a:xfrm>
+          <a:prstGeom prst="rect">
+            <a:avLst/>
+          </a:prstGeom>
+          <a:solidFill>
+            <a:schemeClr val="tx1">
+              <a:lumMod val="65000"/>
+              <a:lumOff val="35000"/>
+            </a:schemeClr>
+          </a:solidFill>
+          <a:ln>
+            <a:noFill/>
+          </a:ln>
+        </p:spPr>
+        <p:style>
+          <a:lnRef idx="2">
+            <a:schemeClr val="accent1">
+              <a:shade val="50000"/>
+            </a:schemeClr>
+          </a:lnRef>
+          <a:fillRef idx="1">
+            <a:schemeClr val="accent1"/>
+          </a:fillRef>
+          <a:effectRef idx="0">
+            <a:schemeClr val="accent1"/>
+          </a:effectRef>
+          <a:fontRef idx="minor">
+            <a:schemeClr val="lt1"/>
+          </a:fontRef>
+        </p:style>
+        <p:txBody>
+          <a:bodyPr rtlCol="0" anchor="ctr"/>
+          <a:lstStyle/>
+          <a:p>
+            <a:pPr algn="ctr"/>
+            <a:endParaRPr lang="en-US"/>
+          </a:p>
+        </p:txBody>
+      </p:sp>
+      <p:sp>
+        <p:nvSpPr>
+          <p:cNvPr id="9" name="Rectangle 8">
+            <a:extLst>
+              <a:ext uri="{FF2B5EF4-FFF2-40B4-BE49-F238E27FC236}">
+                <a16:creationId xmlns:a16="http://schemas.microsoft.com/office/drawing/2014/main" id="{CB44330D-EA18-4254-AA95-EB49948539B8}"/>
+              </a:ext>
+              <a:ext uri="{C183D7F6-B498-43B3-948B-1728B52AA6E4}">
+                <adec:decorative xmlns:adec="http://schemas.microsoft.com/office/drawing/2017/decorative" val="1"/>
+              </a:ext>
+            </a:extLst>
+          </p:cNvPr>
+          <p:cNvSpPr>
+            <a:spLocks noGrp="1" noRot="1" noChangeAspect="1" noMove="1" noResize="1" noEditPoints="1" noAdjustHandles="1" noChangeArrowheads="1" noChangeShapeType="1" noTextEdit="1"/>
+          </p:cNvSpPr>
+          <p:nvPr>
+            <p:extLst>
+              <p:ext uri="{386F3935-93C4-4BCD-93E2-E3B085C9AB24}">
+                <p16:designElem xmlns:p16="http://schemas.microsoft.com/office/powerpoint/2015/main" val="1"/>
+              </p:ext>
+            </p:extLst>
+          </p:nvPr>
+        </p:nvSpPr>
+        <p:spPr>
+          <a:xfrm>
+            <a:off x="477012" y="480060"/>
+            <a:ext cx="11237976" cy="5897880"/>
+          </a:xfrm>
+          <a:prstGeom prst="rect">
+            <a:avLst/>
+          </a:prstGeom>
+          <a:solidFill>
+            <a:srgbClr val="FFFFFF"/>
+          </a:solidFill>
+          <a:ln>
+            <a:noFill/>
+          </a:ln>
+        </p:spPr>
+        <p:style>
+          <a:lnRef idx="2">
+            <a:schemeClr val="accent1">
+              <a:shade val="50000"/>
+            </a:schemeClr>
+          </a:lnRef>
+          <a:fillRef idx="1">
+            <a:schemeClr val="accent1"/>
+          </a:fillRef>
+          <a:effectRef idx="0">
+            <a:schemeClr val="accent1"/>
+          </a:effectRef>
+          <a:fontRef idx="minor">
+            <a:schemeClr val="lt1"/>
+          </a:fontRef>
+        </p:style>
+        <p:txBody>
+          <a:bodyPr rtlCol="0" anchor="ctr"/>
+          <a:lstStyle/>
+          <a:p>
+            <a:pPr algn="ctr"/>
+            <a:endParaRPr lang="en-US"/>
+          </a:p>
+        </p:txBody>
+      </p:sp>
+      <p:pic>
+        <p:nvPicPr>
+          <p:cNvPr id="2" name="Picture 1"/>
+          <p:cNvPicPr>
+            <a:picLocks noChangeAspect="1"/>
+          </p:cNvPicPr>
+          <p:nvPr/>
+        </p:nvPicPr>
+        <p:blipFill>
+          <a:blip r:embed="rId2"/>
+          <a:stretch>
+            <a:fillRect/>
+          </a:stretch>
+        </p:blipFill>
+        <p:spPr>
+          <a:xfrm>
+            <a:off x="937605" y="643467"/>
+            <a:ext cx="10316790" cy="5571066"/>
+          </a:xfrm>
+          <a:prstGeom prst="rect">
+            <a:avLst/>
+          </a:prstGeom>
+        </p:spPr>
+      </p:pic>
+    </p:spTree>
+    <p:extLst>
+      <p:ext uri="{BB962C8B-B14F-4D97-AF65-F5344CB8AC3E}">
+        <p14:creationId xmlns:p14="http://schemas.microsoft.com/office/powerpoint/2010/main" val="1095371810"/>
+      </p:ext>
+    </p:extLst>
+  </p:cSld>
+  <p:clrMapOvr>
+    <a:masterClrMapping/>
+  </p:clrMapOvr>
+</p:sld>
+</file>
+
+<file path=ppt/slides/slide8.xml><?xml version="1.0" encoding="utf-8"?>
 <p:sld xmlns:a="http://schemas.openxmlformats.org/drawingml/2006/main" xmlns:r="http://schemas.openxmlformats.org/officeDocument/2006/relationships" xmlns:p="http://schemas.openxmlformats.org/presentationml/2006/main">
   <p:cSld>
     <p:spTree>
@@ -3407,60 +4365,6 @@
         </p:blipFill>
         <p:spPr>
           <a:xfrm>
-            <a:off x="673100" y="514350"/>
-            <a:ext cx="10845800" cy="5829300"/>
-          </a:xfrm>
-          <a:prstGeom prst="rect">
-            <a:avLst/>
-          </a:prstGeom>
-        </p:spPr>
-      </p:pic>
-    </p:spTree>
-    <p:extLst>
-      <p:ext uri="{BB962C8B-B14F-4D97-AF65-F5344CB8AC3E}">
-        <p14:creationId xmlns:p14="http://schemas.microsoft.com/office/powerpoint/2010/main" val="1702152359"/>
-      </p:ext>
-    </p:extLst>
-  </p:cSld>
-  <p:clrMapOvr>
-    <a:masterClrMapping/>
-  </p:clrMapOvr>
-</p:sld>
-</file>
-
-<file path=ppt/slides/slide7.xml><?xml version="1.0" encoding="utf-8"?>
-<p:sld xmlns:a="http://schemas.openxmlformats.org/drawingml/2006/main" xmlns:r="http://schemas.openxmlformats.org/officeDocument/2006/relationships" xmlns:p="http://schemas.openxmlformats.org/presentationml/2006/main">
-  <p:cSld>
-    <p:spTree>
-      <p:nvGrpSpPr>
-        <p:cNvPr id="1" name=""/>
-        <p:cNvGrpSpPr/>
-        <p:nvPr/>
-      </p:nvGrpSpPr>
-      <p:grpSpPr>
-        <a:xfrm>
-          <a:off x="0" y="0"/>
-          <a:ext cx="0" cy="0"/>
-          <a:chOff x="0" y="0"/>
-          <a:chExt cx="0" cy="0"/>
-        </a:xfrm>
-      </p:grpSpPr>
-      <p:pic>
-        <p:nvPicPr>
-          <p:cNvPr id="2" name="Picture 1"/>
-          <p:cNvPicPr>
-            <a:picLocks noChangeAspect="1"/>
-          </p:cNvPicPr>
-          <p:nvPr/>
-        </p:nvPicPr>
-        <p:blipFill>
-          <a:blip r:embed="rId2"/>
-          <a:stretch>
-            <a:fillRect/>
-          </a:stretch>
-        </p:blipFill>
-        <p:spPr>
-          <a:xfrm>
             <a:off x="603250" y="730250"/>
             <a:ext cx="10985500" cy="5397500"/>
           </a:xfrm>
@@ -3530,7 +4434,7 @@
 </p:sld>
 </file>
 
-<file path=ppt/slides/slide8.xml><?xml version="1.0" encoding="utf-8"?>
+<file path=ppt/slides/slide9.xml><?xml version="1.0" encoding="utf-8"?>
 <p:sld xmlns:a="http://schemas.openxmlformats.org/drawingml/2006/main" xmlns:r="http://schemas.openxmlformats.org/officeDocument/2006/relationships" xmlns:p="http://schemas.openxmlformats.org/presentationml/2006/main">
   <p:cSld>
     <p:spTree>
@@ -3623,122 +4527,6 @@
     <p:extLst>
       <p:ext uri="{BB962C8B-B14F-4D97-AF65-F5344CB8AC3E}">
         <p14:creationId xmlns:p14="http://schemas.microsoft.com/office/powerpoint/2010/main" val="4058353435"/>
-      </p:ext>
-    </p:extLst>
-  </p:cSld>
-  <p:clrMapOvr>
-    <a:masterClrMapping/>
-  </p:clrMapOvr>
-</p:sld>
-</file>
-
-<file path=ppt/slides/slide9.xml><?xml version="1.0" encoding="utf-8"?>
-<p:sld xmlns:a="http://schemas.openxmlformats.org/drawingml/2006/main" xmlns:r="http://schemas.openxmlformats.org/officeDocument/2006/relationships" xmlns:p="http://schemas.openxmlformats.org/presentationml/2006/main">
-  <p:cSld>
-    <p:spTree>
-      <p:nvGrpSpPr>
-        <p:cNvPr id="1" name=""/>
-        <p:cNvGrpSpPr/>
-        <p:nvPr/>
-      </p:nvGrpSpPr>
-      <p:grpSpPr>
-        <a:xfrm>
-          <a:off x="0" y="0"/>
-          <a:ext cx="0" cy="0"/>
-          <a:chOff x="0" y="0"/>
-          <a:chExt cx="0" cy="0"/>
-        </a:xfrm>
-      </p:grpSpPr>
-      <p:pic>
-        <p:nvPicPr>
-          <p:cNvPr id="9" name="Content Placeholder 8">
-            <a:extLst>
-              <a:ext uri="{FF2B5EF4-FFF2-40B4-BE49-F238E27FC236}">
-                <a16:creationId xmlns:a16="http://schemas.microsoft.com/office/drawing/2014/main" id="{9CD919DF-6752-499B-9333-9022E3789C5D}"/>
-              </a:ext>
-            </a:extLst>
-          </p:cNvPr>
-          <p:cNvPicPr>
-            <a:picLocks noGrp="1" noChangeAspect="1"/>
-          </p:cNvPicPr>
-          <p:nvPr>
-            <p:ph idx="1"/>
-          </p:nvPr>
-        </p:nvPicPr>
-        <p:blipFill>
-          <a:blip r:embed="rId2">
-            <a:extLst>
-              <a:ext uri="{28A0092B-C50C-407E-A947-70E740481C1C}">
-                <a14:useLocalDpi xmlns:a14="http://schemas.microsoft.com/office/drawing/2010/main" val="0"/>
-              </a:ext>
-            </a:extLst>
-          </a:blip>
-          <a:stretch>
-            <a:fillRect/>
-          </a:stretch>
-        </p:blipFill>
-        <p:spPr>
-          <a:xfrm>
-            <a:off x="1120478" y="1193397"/>
-            <a:ext cx="7009396" cy="4465060"/>
-          </a:xfrm>
-          <a:prstGeom prst="rect">
-            <a:avLst/>
-          </a:prstGeom>
-        </p:spPr>
-      </p:pic>
-      <p:pic>
-        <p:nvPicPr>
-          <p:cNvPr id="3" name="Picture 3" descr="Image result for kubernetes">
-            <a:hlinkClick r:id="rId3"/>
-            <a:extLst>
-              <a:ext uri="{FF2B5EF4-FFF2-40B4-BE49-F238E27FC236}">
-                <a16:creationId xmlns:a16="http://schemas.microsoft.com/office/drawing/2014/main" id="{43D592DA-6AB4-4C5C-A5B0-A0B23D6CBF36}"/>
-              </a:ext>
-            </a:extLst>
-          </p:cNvPr>
-          <p:cNvPicPr>
-            <a:picLocks noChangeAspect="1" noChangeArrowheads="1"/>
-          </p:cNvPicPr>
-          <p:nvPr/>
-        </p:nvPicPr>
-        <p:blipFill>
-          <a:blip r:embed="rId4">
-            <a:extLst>
-              <a:ext uri="{28A0092B-C50C-407E-A947-70E740481C1C}">
-                <a14:useLocalDpi xmlns:a14="http://schemas.microsoft.com/office/drawing/2010/main" val="0"/>
-              </a:ext>
-            </a:extLst>
-          </a:blip>
-          <a:srcRect/>
-          <a:stretch>
-            <a:fillRect/>
-          </a:stretch>
-        </p:blipFill>
-        <p:spPr bwMode="auto">
-          <a:xfrm>
-            <a:off x="10555430" y="5382705"/>
-            <a:ext cx="1511453" cy="1475294"/>
-          </a:xfrm>
-          <a:prstGeom prst="rect">
-            <a:avLst/>
-          </a:prstGeom>
-          <a:noFill/>
-          <a:extLst>
-            <a:ext uri="{909E8E84-426E-40DD-AFC4-6F175D3DCCD1}">
-              <a14:hiddenFill xmlns:a14="http://schemas.microsoft.com/office/drawing/2010/main">
-                <a:solidFill>
-                  <a:srgbClr val="FFFFFF"/>
-                </a:solidFill>
-              </a14:hiddenFill>
-            </a:ext>
-          </a:extLst>
-        </p:spPr>
-      </p:pic>
-    </p:spTree>
-    <p:extLst>
-      <p:ext uri="{BB962C8B-B14F-4D97-AF65-F5344CB8AC3E}">
-        <p14:creationId xmlns:p14="http://schemas.microsoft.com/office/powerpoint/2010/main" val="1686405591"/>
       </p:ext>
     </p:extLst>
   </p:cSld>
